--- a/Statistik ex/Workshop 1 Fremlægning.pptx
+++ b/Statistik ex/Workshop 1 Fremlægning.pptx
@@ -1224,7 +1224,7 @@
           <a:p>
             <a:fld id="{64B92FFA-C658-4040-AC3F-AA17F076400B}" type="datetimeFigureOut">
               <a:rPr lang="da-DK" smtClean="0"/>
-              <a:t>11-01-2025</a:t>
+              <a:t>16-01-2025</a:t>
             </a:fld>
             <a:endParaRPr lang="da-DK" dirty="0"/>
           </a:p>
@@ -1638,7 +1638,7 @@
           <a:p>
             <a:fld id="{C9641093-889F-4887-832C-DE5E670BAD9D}" type="datetimeFigureOut">
               <a:rPr lang="da-DK" smtClean="0"/>
-              <a:t>11-01-2025</a:t>
+              <a:t>16-01-2025</a:t>
             </a:fld>
             <a:endParaRPr lang="da-DK" dirty="0"/>
           </a:p>
@@ -1836,7 +1836,7 @@
           <a:p>
             <a:fld id="{C9641093-889F-4887-832C-DE5E670BAD9D}" type="datetimeFigureOut">
               <a:rPr lang="da-DK" smtClean="0"/>
-              <a:t>11-01-2025</a:t>
+              <a:t>16-01-2025</a:t>
             </a:fld>
             <a:endParaRPr lang="da-DK" dirty="0"/>
           </a:p>
@@ -2044,7 +2044,7 @@
           <a:p>
             <a:fld id="{C9641093-889F-4887-832C-DE5E670BAD9D}" type="datetimeFigureOut">
               <a:rPr lang="da-DK" smtClean="0"/>
-              <a:t>11-01-2025</a:t>
+              <a:t>16-01-2025</a:t>
             </a:fld>
             <a:endParaRPr lang="da-DK" dirty="0"/>
           </a:p>
@@ -2242,7 +2242,7 @@
           <a:p>
             <a:fld id="{C9641093-889F-4887-832C-DE5E670BAD9D}" type="datetimeFigureOut">
               <a:rPr lang="da-DK" smtClean="0"/>
-              <a:t>11-01-2025</a:t>
+              <a:t>16-01-2025</a:t>
             </a:fld>
             <a:endParaRPr lang="da-DK" dirty="0"/>
           </a:p>
@@ -2517,7 +2517,7 @@
           <a:p>
             <a:fld id="{C9641093-889F-4887-832C-DE5E670BAD9D}" type="datetimeFigureOut">
               <a:rPr lang="da-DK" smtClean="0"/>
-              <a:t>11-01-2025</a:t>
+              <a:t>16-01-2025</a:t>
             </a:fld>
             <a:endParaRPr lang="da-DK" dirty="0"/>
           </a:p>
@@ -2782,7 +2782,7 @@
           <a:p>
             <a:fld id="{C9641093-889F-4887-832C-DE5E670BAD9D}" type="datetimeFigureOut">
               <a:rPr lang="da-DK" smtClean="0"/>
-              <a:t>11-01-2025</a:t>
+              <a:t>16-01-2025</a:t>
             </a:fld>
             <a:endParaRPr lang="da-DK" dirty="0"/>
           </a:p>
@@ -3194,7 +3194,7 @@
           <a:p>
             <a:fld id="{C9641093-889F-4887-832C-DE5E670BAD9D}" type="datetimeFigureOut">
               <a:rPr lang="da-DK" smtClean="0"/>
-              <a:t>11-01-2025</a:t>
+              <a:t>16-01-2025</a:t>
             </a:fld>
             <a:endParaRPr lang="da-DK" dirty="0"/>
           </a:p>
@@ -3335,7 +3335,7 @@
           <a:p>
             <a:fld id="{C9641093-889F-4887-832C-DE5E670BAD9D}" type="datetimeFigureOut">
               <a:rPr lang="da-DK" smtClean="0"/>
-              <a:t>11-01-2025</a:t>
+              <a:t>16-01-2025</a:t>
             </a:fld>
             <a:endParaRPr lang="da-DK" dirty="0"/>
           </a:p>
@@ -3448,7 +3448,7 @@
           <a:p>
             <a:fld id="{C9641093-889F-4887-832C-DE5E670BAD9D}" type="datetimeFigureOut">
               <a:rPr lang="da-DK" smtClean="0"/>
-              <a:t>11-01-2025</a:t>
+              <a:t>16-01-2025</a:t>
             </a:fld>
             <a:endParaRPr lang="da-DK" dirty="0"/>
           </a:p>
@@ -3759,7 +3759,7 @@
           <a:p>
             <a:fld id="{C9641093-889F-4887-832C-DE5E670BAD9D}" type="datetimeFigureOut">
               <a:rPr lang="da-DK" smtClean="0"/>
-              <a:t>11-01-2025</a:t>
+              <a:t>16-01-2025</a:t>
             </a:fld>
             <a:endParaRPr lang="da-DK" dirty="0"/>
           </a:p>
@@ -4047,7 +4047,7 @@
           <a:p>
             <a:fld id="{C9641093-889F-4887-832C-DE5E670BAD9D}" type="datetimeFigureOut">
               <a:rPr lang="da-DK" smtClean="0"/>
-              <a:t>11-01-2025</a:t>
+              <a:t>16-01-2025</a:t>
             </a:fld>
             <a:endParaRPr lang="da-DK" dirty="0"/>
           </a:p>
@@ -4288,7 +4288,7 @@
           <a:p>
             <a:fld id="{C9641093-889F-4887-832C-DE5E670BAD9D}" type="datetimeFigureOut">
               <a:rPr lang="da-DK" smtClean="0"/>
-              <a:t>11-01-2025</a:t>
+              <a:t>16-01-2025</a:t>
             </a:fld>
             <a:endParaRPr lang="da-DK" dirty="0"/>
           </a:p>
@@ -5252,19 +5252,7 @@
                       <a:rPr lang="en-US" sz="3600" b="0" i="1" smtClean="0">
                         <a:latin typeface="Cambria Math" panose="02040503050406030204" pitchFamily="18" charset="0"/>
                       </a:rPr>
-                      <m:t>=</m:t>
-                    </m:r>
-                    <m:r>
-                      <a:rPr lang="en-US" sz="3600" b="0" i="1" smtClean="0">
-                        <a:latin typeface="Cambria Math" panose="02040503050406030204" pitchFamily="18" charset="0"/>
-                      </a:rPr>
-                      <m:t>1</m:t>
-                    </m:r>
-                    <m:r>
-                      <a:rPr lang="en-US" sz="3600" b="0" i="1" smtClean="0">
-                        <a:latin typeface="Cambria Math" panose="02040503050406030204" pitchFamily="18" charset="0"/>
-                      </a:rPr>
-                      <m:t>−</m:t>
+                      <m:t>=1−</m:t>
                     </m:r>
                     <m:sSup>
                       <m:sSupPr>
@@ -8352,8 +8340,8 @@
           </p:sp>
         </mc:Fallback>
       </mc:AlternateContent>
-      <mc:AlternateContent xmlns:mc="http://schemas.openxmlformats.org/markup-compatibility/2006" xmlns:a14="http://schemas.microsoft.com/office/drawing/2010/main">
-        <mc:Choice Requires="a14">
+      <mc:AlternateContent xmlns:mc="http://schemas.openxmlformats.org/markup-compatibility/2006">
+        <mc:Choice xmlns:a14="http://schemas.microsoft.com/office/drawing/2010/main" Requires="a14">
           <p:sp>
             <p:nvSpPr>
               <p:cNvPr id="14" name="Tekstfelt 13">
@@ -8399,7 +8387,7 @@
                         <a:rPr lang="en-US" b="0" i="1" smtClean="0">
                           <a:latin typeface="Cambria Math" panose="02040503050406030204" pitchFamily="18" charset="0"/>
                         </a:rPr>
-                        <m:t>=4.339</m:t>
+                        <m:t>=2.520</m:t>
                       </m:r>
                     </m:oMath>
                   </m:oMathPara>
@@ -8409,7 +8397,7 @@
             </p:txBody>
           </p:sp>
         </mc:Choice>
-        <mc:Fallback xmlns="">
+        <mc:Fallback>
           <p:sp>
             <p:nvSpPr>
               <p:cNvPr id="14" name="Tekstfelt 13">
@@ -8978,25 +8966,7 @@
                         <a:rPr lang="en-US" sz="3200" i="1" dirty="0" smtClean="0">
                           <a:latin typeface="Cambria Math" panose="02040503050406030204" pitchFamily="18" charset="0"/>
                         </a:rPr>
-                        <m:t>)=</m:t>
-                      </m:r>
-                      <m:r>
-                        <a:rPr lang="en-US" sz="3200" i="1" dirty="0" smtClean="0">
-                          <a:latin typeface="Cambria Math" panose="02040503050406030204" pitchFamily="18" charset="0"/>
-                        </a:rPr>
-                        <m:t>4</m:t>
-                      </m:r>
-                      <m:r>
-                        <a:rPr lang="en-US" sz="3200" i="1" dirty="0" smtClean="0">
-                          <a:latin typeface="Cambria Math" panose="02040503050406030204" pitchFamily="18" charset="0"/>
-                        </a:rPr>
-                        <m:t>.</m:t>
-                      </m:r>
-                      <m:r>
-                        <a:rPr lang="en-US" sz="3200" i="1" dirty="0" smtClean="0">
-                          <a:latin typeface="Cambria Math" panose="02040503050406030204" pitchFamily="18" charset="0"/>
-                        </a:rPr>
-                        <m:t>193567</m:t>
+                        <m:t>)=4.193567</m:t>
                       </m:r>
                     </m:oMath>
                   </m:oMathPara>
@@ -10395,8 +10365,8 @@
           </p:pic>
         </mc:Fallback>
       </mc:AlternateContent>
-      <mc:AlternateContent xmlns:mc="http://schemas.openxmlformats.org/markup-compatibility/2006">
-        <mc:Choice xmlns:a14="http://schemas.microsoft.com/office/drawing/2010/main" Requires="a14">
+      <mc:AlternateContent xmlns:mc="http://schemas.openxmlformats.org/markup-compatibility/2006" xmlns:a14="http://schemas.microsoft.com/office/drawing/2010/main">
+        <mc:Choice Requires="a14">
           <p:sp>
             <p:nvSpPr>
               <p:cNvPr id="2" name="Tekstfelt 1">
@@ -10425,6 +10395,7 @@
               </a:bodyPr>
               <a:lstStyle/>
               <a:p>
+                <a:pPr/>
                 <a14:m>
                   <m:oMathPara xmlns:m="http://schemas.openxmlformats.org/officeDocument/2006/math">
                     <m:oMathParaPr>
@@ -10451,7 +10422,7 @@
             </p:txBody>
           </p:sp>
         </mc:Choice>
-        <mc:Fallback>
+        <mc:Fallback xmlns="">
           <p:sp>
             <p:nvSpPr>
               <p:cNvPr id="2" name="Tekstfelt 1">
@@ -10496,8 +10467,8 @@
           </p:sp>
         </mc:Fallback>
       </mc:AlternateContent>
-      <mc:AlternateContent xmlns:mc="http://schemas.openxmlformats.org/markup-compatibility/2006">
-        <mc:Choice xmlns:a14="http://schemas.microsoft.com/office/drawing/2010/main" Requires="a14">
+      <mc:AlternateContent xmlns:mc="http://schemas.openxmlformats.org/markup-compatibility/2006" xmlns:a14="http://schemas.microsoft.com/office/drawing/2010/main">
+        <mc:Choice Requires="a14">
           <p:sp>
             <p:nvSpPr>
               <p:cNvPr id="6" name="Tekstfelt 5">
@@ -10526,6 +10497,7 @@
               </a:bodyPr>
               <a:lstStyle/>
               <a:p>
+                <a:pPr/>
                 <a14:m>
                   <m:oMathPara xmlns:m="http://schemas.openxmlformats.org/officeDocument/2006/math">
                     <m:oMathParaPr>
@@ -10546,7 +10518,7 @@
             </p:txBody>
           </p:sp>
         </mc:Choice>
-        <mc:Fallback>
+        <mc:Fallback xmlns="">
           <p:sp>
             <p:nvSpPr>
               <p:cNvPr id="6" name="Tekstfelt 5">
@@ -10591,8 +10563,8 @@
           </p:sp>
         </mc:Fallback>
       </mc:AlternateContent>
-      <mc:AlternateContent xmlns:mc="http://schemas.openxmlformats.org/markup-compatibility/2006">
-        <mc:Choice xmlns:a14="http://schemas.microsoft.com/office/drawing/2010/main" Requires="a14">
+      <mc:AlternateContent xmlns:mc="http://schemas.openxmlformats.org/markup-compatibility/2006" xmlns:a14="http://schemas.microsoft.com/office/drawing/2010/main">
+        <mc:Choice Requires="a14">
           <p:sp>
             <p:nvSpPr>
               <p:cNvPr id="19" name="Tekstfelt 18">
@@ -10632,13 +10604,7 @@
                         <a:rPr lang="en-US" b="0" i="1" smtClean="0">
                           <a:latin typeface="Cambria Math" panose="02040503050406030204" pitchFamily="18" charset="0"/>
                         </a:rPr>
-                        <m:t>4.</m:t>
-                      </m:r>
-                      <m:r>
-                        <a:rPr lang="en-US" b="0" i="1" smtClean="0">
-                          <a:latin typeface="Cambria Math" panose="02040503050406030204" pitchFamily="18" charset="0"/>
-                        </a:rPr>
-                        <m:t>9</m:t>
+                        <m:t>4.9</m:t>
                       </m:r>
                     </m:oMath>
                   </m:oMathPara>
@@ -10648,7 +10614,7 @@
             </p:txBody>
           </p:sp>
         </mc:Choice>
-        <mc:Fallback>
+        <mc:Fallback xmlns="">
           <p:sp>
             <p:nvSpPr>
               <p:cNvPr id="19" name="Tekstfelt 18">
@@ -10723,8 +10689,8 @@
           </a:prstGeom>
         </p:spPr>
       </p:pic>
-      <mc:AlternateContent xmlns:mc="http://schemas.openxmlformats.org/markup-compatibility/2006">
-        <mc:Choice xmlns:p14="http://schemas.microsoft.com/office/powerpoint/2010/main" Requires="p14">
+      <mc:AlternateContent xmlns:mc="http://schemas.openxmlformats.org/markup-compatibility/2006" xmlns:p14="http://schemas.microsoft.com/office/powerpoint/2010/main">
+        <mc:Choice Requires="p14">
           <p:contentPart p14:bwMode="auto" r:id="rId13">
             <p14:nvContentPartPr>
               <p14:cNvPr id="23" name="Håndskrift 22">
@@ -10743,7 +10709,7 @@
             </p14:xfrm>
           </p:contentPart>
         </mc:Choice>
-        <mc:Fallback>
+        <mc:Fallback xmlns="">
           <p:pic>
             <p:nvPicPr>
               <p:cNvPr id="23" name="Håndskrift 22">
@@ -10774,8 +10740,8 @@
           </p:pic>
         </mc:Fallback>
       </mc:AlternateContent>
-      <mc:AlternateContent xmlns:mc="http://schemas.openxmlformats.org/markup-compatibility/2006">
-        <mc:Choice xmlns:p14="http://schemas.microsoft.com/office/powerpoint/2010/main" Requires="p14">
+      <mc:AlternateContent xmlns:mc="http://schemas.openxmlformats.org/markup-compatibility/2006" xmlns:p14="http://schemas.microsoft.com/office/powerpoint/2010/main">
+        <mc:Choice Requires="p14">
           <p:contentPart p14:bwMode="auto" r:id="rId15">
             <p14:nvContentPartPr>
               <p14:cNvPr id="25" name="Håndskrift 24">
@@ -10794,7 +10760,7 @@
             </p14:xfrm>
           </p:contentPart>
         </mc:Choice>
-        <mc:Fallback>
+        <mc:Fallback xmlns="">
           <p:pic>
             <p:nvPicPr>
               <p:cNvPr id="25" name="Håndskrift 24">
@@ -10845,8 +10811,8 @@
             <a:chExt cx="1054440" cy="945000"/>
           </a:xfrm>
         </p:grpSpPr>
-        <mc:AlternateContent xmlns:mc="http://schemas.openxmlformats.org/markup-compatibility/2006">
-          <mc:Choice xmlns:p14="http://schemas.microsoft.com/office/powerpoint/2010/main" Requires="p14">
+        <mc:AlternateContent xmlns:mc="http://schemas.openxmlformats.org/markup-compatibility/2006" xmlns:p14="http://schemas.microsoft.com/office/powerpoint/2010/main">
+          <mc:Choice Requires="p14">
             <p:contentPart p14:bwMode="auto" r:id="rId17">
               <p14:nvContentPartPr>
                 <p14:cNvPr id="35" name="Håndskrift 34">
@@ -10865,7 +10831,7 @@
               </p14:xfrm>
             </p:contentPart>
           </mc:Choice>
-          <mc:Fallback>
+          <mc:Fallback xmlns="">
             <p:pic>
               <p:nvPicPr>
                 <p:cNvPr id="35" name="Håndskrift 34">
@@ -10896,8 +10862,8 @@
             </p:pic>
           </mc:Fallback>
         </mc:AlternateContent>
-        <mc:AlternateContent xmlns:mc="http://schemas.openxmlformats.org/markup-compatibility/2006">
-          <mc:Choice xmlns:p14="http://schemas.microsoft.com/office/powerpoint/2010/main" Requires="p14">
+        <mc:AlternateContent xmlns:mc="http://schemas.openxmlformats.org/markup-compatibility/2006" xmlns:p14="http://schemas.microsoft.com/office/powerpoint/2010/main">
+          <mc:Choice Requires="p14">
             <p:contentPart p14:bwMode="auto" r:id="rId19">
               <p14:nvContentPartPr>
                 <p14:cNvPr id="36" name="Håndskrift 35">
@@ -10916,7 +10882,7 @@
               </p14:xfrm>
             </p:contentPart>
           </mc:Choice>
-          <mc:Fallback>
+          <mc:Fallback xmlns="">
             <p:pic>
               <p:nvPicPr>
                 <p:cNvPr id="36" name="Håndskrift 35">
@@ -10947,8 +10913,8 @@
             </p:pic>
           </mc:Fallback>
         </mc:AlternateContent>
-        <mc:AlternateContent xmlns:mc="http://schemas.openxmlformats.org/markup-compatibility/2006">
-          <mc:Choice xmlns:p14="http://schemas.microsoft.com/office/powerpoint/2010/main" Requires="p14">
+        <mc:AlternateContent xmlns:mc="http://schemas.openxmlformats.org/markup-compatibility/2006" xmlns:p14="http://schemas.microsoft.com/office/powerpoint/2010/main">
+          <mc:Choice Requires="p14">
             <p:contentPart p14:bwMode="auto" r:id="rId21">
               <p14:nvContentPartPr>
                 <p14:cNvPr id="37" name="Håndskrift 36">
@@ -10967,7 +10933,7 @@
               </p14:xfrm>
             </p:contentPart>
           </mc:Choice>
-          <mc:Fallback>
+          <mc:Fallback xmlns="">
             <p:pic>
               <p:nvPicPr>
                 <p:cNvPr id="37" name="Håndskrift 36">
@@ -10999,8 +10965,8 @@
           </mc:Fallback>
         </mc:AlternateContent>
       </p:grpSp>
-      <mc:AlternateContent xmlns:mc="http://schemas.openxmlformats.org/markup-compatibility/2006">
-        <mc:Choice xmlns:p14="http://schemas.microsoft.com/office/powerpoint/2010/main" Requires="p14">
+      <mc:AlternateContent xmlns:mc="http://schemas.openxmlformats.org/markup-compatibility/2006" xmlns:p14="http://schemas.microsoft.com/office/powerpoint/2010/main">
+        <mc:Choice Requires="p14">
           <p:contentPart p14:bwMode="auto" r:id="rId23">
             <p14:nvContentPartPr>
               <p14:cNvPr id="40" name="Håndskrift 39">
@@ -11019,7 +10985,7 @@
             </p14:xfrm>
           </p:contentPart>
         </mc:Choice>
-        <mc:Fallback>
+        <mc:Fallback xmlns="">
           <p:pic>
             <p:nvPicPr>
               <p:cNvPr id="40" name="Håndskrift 39">
@@ -11050,8 +11016,8 @@
           </p:pic>
         </mc:Fallback>
       </mc:AlternateContent>
-      <mc:AlternateContent xmlns:mc="http://schemas.openxmlformats.org/markup-compatibility/2006">
-        <mc:Choice xmlns:p14="http://schemas.microsoft.com/office/powerpoint/2010/main" Requires="p14">
+      <mc:AlternateContent xmlns:mc="http://schemas.openxmlformats.org/markup-compatibility/2006" xmlns:p14="http://schemas.microsoft.com/office/powerpoint/2010/main">
+        <mc:Choice Requires="p14">
           <p:contentPart p14:bwMode="auto" r:id="rId25">
             <p14:nvContentPartPr>
               <p14:cNvPr id="41" name="Håndskrift 40">
@@ -11070,7 +11036,7 @@
             </p14:xfrm>
           </p:contentPart>
         </mc:Choice>
-        <mc:Fallback>
+        <mc:Fallback xmlns="">
           <p:pic>
             <p:nvPicPr>
               <p:cNvPr id="41" name="Håndskrift 40">
@@ -11101,8 +11067,8 @@
           </p:pic>
         </mc:Fallback>
       </mc:AlternateContent>
-      <mc:AlternateContent xmlns:mc="http://schemas.openxmlformats.org/markup-compatibility/2006">
-        <mc:Choice xmlns:p14="http://schemas.microsoft.com/office/powerpoint/2010/main" Requires="p14">
+      <mc:AlternateContent xmlns:mc="http://schemas.openxmlformats.org/markup-compatibility/2006" xmlns:p14="http://schemas.microsoft.com/office/powerpoint/2010/main">
+        <mc:Choice Requires="p14">
           <p:contentPart p14:bwMode="auto" r:id="rId27">
             <p14:nvContentPartPr>
               <p14:cNvPr id="46" name="Håndskrift 45">
@@ -11121,7 +11087,7 @@
             </p14:xfrm>
           </p:contentPart>
         </mc:Choice>
-        <mc:Fallback>
+        <mc:Fallback xmlns="">
           <p:pic>
             <p:nvPicPr>
               <p:cNvPr id="46" name="Håndskrift 45">
@@ -11152,8 +11118,8 @@
           </p:pic>
         </mc:Fallback>
       </mc:AlternateContent>
-      <mc:AlternateContent xmlns:mc="http://schemas.openxmlformats.org/markup-compatibility/2006">
-        <mc:Choice xmlns:p14="http://schemas.microsoft.com/office/powerpoint/2010/main" Requires="p14">
+      <mc:AlternateContent xmlns:mc="http://schemas.openxmlformats.org/markup-compatibility/2006" xmlns:p14="http://schemas.microsoft.com/office/powerpoint/2010/main">
+        <mc:Choice Requires="p14">
           <p:contentPart p14:bwMode="auto" r:id="rId29">
             <p14:nvContentPartPr>
               <p14:cNvPr id="49" name="Håndskrift 48">
@@ -11172,7 +11138,7 @@
             </p14:xfrm>
           </p:contentPart>
         </mc:Choice>
-        <mc:Fallback>
+        <mc:Fallback xmlns="">
           <p:pic>
             <p:nvPicPr>
               <p:cNvPr id="49" name="Håndskrift 48">
@@ -11551,8 +11517,8 @@
           </a:prstGeom>
         </p:spPr>
       </p:pic>
-      <mc:AlternateContent xmlns:mc="http://schemas.openxmlformats.org/markup-compatibility/2006">
-        <mc:Choice xmlns:a14="http://schemas.microsoft.com/office/drawing/2010/main" Requires="a14">
+      <mc:AlternateContent xmlns:mc="http://schemas.openxmlformats.org/markup-compatibility/2006" xmlns:a14="http://schemas.microsoft.com/office/drawing/2010/main">
+        <mc:Choice Requires="a14">
           <p:sp>
             <p:nvSpPr>
               <p:cNvPr id="19" name="Tekstfelt 18">
@@ -11626,7 +11592,7 @@
             </p:txBody>
           </p:sp>
         </mc:Choice>
-        <mc:Fallback>
+        <mc:Fallback xmlns="">
           <p:sp>
             <p:nvSpPr>
               <p:cNvPr id="19" name="Tekstfelt 18">
@@ -11671,8 +11637,8 @@
           </p:sp>
         </mc:Fallback>
       </mc:AlternateContent>
-      <mc:AlternateContent xmlns:mc="http://schemas.openxmlformats.org/markup-compatibility/2006">
-        <mc:Choice xmlns:a14="http://schemas.microsoft.com/office/drawing/2010/main" Requires="a14">
+      <mc:AlternateContent xmlns:mc="http://schemas.openxmlformats.org/markup-compatibility/2006" xmlns:a14="http://schemas.microsoft.com/office/drawing/2010/main">
+        <mc:Choice Requires="a14">
           <p:sp>
             <p:nvSpPr>
               <p:cNvPr id="20" name="Tekstfelt 19">
@@ -11751,7 +11717,7 @@
             </p:txBody>
           </p:sp>
         </mc:Choice>
-        <mc:Fallback>
+        <mc:Fallback xmlns="">
           <p:sp>
             <p:nvSpPr>
               <p:cNvPr id="20" name="Tekstfelt 19">
@@ -11916,8 +11882,8 @@
           </a:prstGeom>
         </p:spPr>
       </p:pic>
-      <mc:AlternateContent xmlns:mc="http://schemas.openxmlformats.org/markup-compatibility/2006">
-        <mc:Choice xmlns:a14="http://schemas.microsoft.com/office/drawing/2010/main" Requires="a14">
+      <mc:AlternateContent xmlns:mc="http://schemas.openxmlformats.org/markup-compatibility/2006" xmlns:a14="http://schemas.microsoft.com/office/drawing/2010/main">
+        <mc:Choice Requires="a14">
           <p:sp>
             <p:nvSpPr>
               <p:cNvPr id="12" name="Tekstfelt 11">
@@ -11983,7 +11949,7 @@
             </p:txBody>
           </p:sp>
         </mc:Choice>
-        <mc:Fallback>
+        <mc:Fallback xmlns="">
           <p:sp>
             <p:nvSpPr>
               <p:cNvPr id="12" name="Tekstfelt 11">
@@ -12028,8 +11994,8 @@
           </p:sp>
         </mc:Fallback>
       </mc:AlternateContent>
-      <mc:AlternateContent xmlns:mc="http://schemas.openxmlformats.org/markup-compatibility/2006">
-        <mc:Choice xmlns:a14="http://schemas.microsoft.com/office/drawing/2010/main" Requires="a14">
+      <mc:AlternateContent xmlns:mc="http://schemas.openxmlformats.org/markup-compatibility/2006" xmlns:a14="http://schemas.microsoft.com/office/drawing/2010/main">
+        <mc:Choice Requires="a14">
           <p:sp>
             <p:nvSpPr>
               <p:cNvPr id="17" name="Tekstfelt 16">
@@ -12058,6 +12024,7 @@
               </a:bodyPr>
               <a:lstStyle/>
               <a:p>
+                <a:pPr/>
                 <a14:m>
                   <m:oMathPara xmlns:m="http://schemas.openxmlformats.org/officeDocument/2006/math">
                     <m:oMathParaPr>
@@ -12096,7 +12063,7 @@
             </p:txBody>
           </p:sp>
         </mc:Choice>
-        <mc:Fallback>
+        <mc:Fallback xmlns="">
           <p:sp>
             <p:nvSpPr>
               <p:cNvPr id="17" name="Tekstfelt 16">
@@ -12161,8 +12128,8 @@
             <a:chExt cx="3107880" cy="1564200"/>
           </a:xfrm>
         </p:grpSpPr>
-        <mc:AlternateContent xmlns:mc="http://schemas.openxmlformats.org/markup-compatibility/2006">
-          <mc:Choice xmlns:p14="http://schemas.microsoft.com/office/powerpoint/2010/main" Requires="p14">
+        <mc:AlternateContent xmlns:mc="http://schemas.openxmlformats.org/markup-compatibility/2006" xmlns:p14="http://schemas.microsoft.com/office/powerpoint/2010/main">
+          <mc:Choice Requires="p14">
             <p:contentPart p14:bwMode="auto" r:id="rId7">
               <p14:nvContentPartPr>
                 <p14:cNvPr id="18" name="Håndskrift 17">
@@ -12181,7 +12148,7 @@
               </p14:xfrm>
             </p:contentPart>
           </mc:Choice>
-          <mc:Fallback>
+          <mc:Fallback xmlns="">
             <p:pic>
               <p:nvPicPr>
                 <p:cNvPr id="18" name="Håndskrift 17">
@@ -12212,8 +12179,8 @@
             </p:pic>
           </mc:Fallback>
         </mc:AlternateContent>
-        <mc:AlternateContent xmlns:mc="http://schemas.openxmlformats.org/markup-compatibility/2006">
-          <mc:Choice xmlns:p14="http://schemas.microsoft.com/office/powerpoint/2010/main" Requires="p14">
+        <mc:AlternateContent xmlns:mc="http://schemas.openxmlformats.org/markup-compatibility/2006" xmlns:p14="http://schemas.microsoft.com/office/powerpoint/2010/main">
+          <mc:Choice Requires="p14">
             <p:contentPart p14:bwMode="auto" r:id="rId9">
               <p14:nvContentPartPr>
                 <p14:cNvPr id="19" name="Håndskrift 18">
@@ -12232,7 +12199,7 @@
               </p14:xfrm>
             </p:contentPart>
           </mc:Choice>
-          <mc:Fallback>
+          <mc:Fallback xmlns="">
             <p:pic>
               <p:nvPicPr>
                 <p:cNvPr id="19" name="Håndskrift 18">
@@ -12264,8 +12231,8 @@
           </mc:Fallback>
         </mc:AlternateContent>
       </p:grpSp>
-      <mc:AlternateContent xmlns:mc="http://schemas.openxmlformats.org/markup-compatibility/2006">
-        <mc:Choice xmlns:p14="http://schemas.microsoft.com/office/powerpoint/2010/main" Requires="p14">
+      <mc:AlternateContent xmlns:mc="http://schemas.openxmlformats.org/markup-compatibility/2006" xmlns:p14="http://schemas.microsoft.com/office/powerpoint/2010/main">
+        <mc:Choice Requires="p14">
           <p:contentPart p14:bwMode="auto" r:id="rId11">
             <p14:nvContentPartPr>
               <p14:cNvPr id="22" name="Håndskrift 21">
@@ -12284,7 +12251,7 @@
             </p14:xfrm>
           </p:contentPart>
         </mc:Choice>
-        <mc:Fallback>
+        <mc:Fallback xmlns="">
           <p:pic>
             <p:nvPicPr>
               <p:cNvPr id="22" name="Håndskrift 21">
@@ -12335,8 +12302,8 @@
             <a:chExt cx="767160" cy="456480"/>
           </a:xfrm>
         </p:grpSpPr>
-        <mc:AlternateContent xmlns:mc="http://schemas.openxmlformats.org/markup-compatibility/2006">
-          <mc:Choice xmlns:p14="http://schemas.microsoft.com/office/powerpoint/2010/main" xmlns:aink="http://schemas.microsoft.com/office/drawing/2016/ink" Requires="p14 aink">
+        <mc:AlternateContent xmlns:mc="http://schemas.openxmlformats.org/markup-compatibility/2006" xmlns:p14="http://schemas.microsoft.com/office/powerpoint/2010/main" xmlns:aink="http://schemas.microsoft.com/office/drawing/2016/ink">
+          <mc:Choice Requires="p14 aink">
             <p:contentPart p14:bwMode="auto" r:id="rId13">
               <p14:nvContentPartPr>
                 <p14:cNvPr id="24" name="Håndskrift 23">
@@ -12355,7 +12322,7 @@
               </p14:xfrm>
             </p:contentPart>
           </mc:Choice>
-          <mc:Fallback>
+          <mc:Fallback xmlns="">
             <p:pic>
               <p:nvPicPr>
                 <p:cNvPr id="24" name="Håndskrift 23">
@@ -12386,8 +12353,8 @@
             </p:pic>
           </mc:Fallback>
         </mc:AlternateContent>
-        <mc:AlternateContent xmlns:mc="http://schemas.openxmlformats.org/markup-compatibility/2006">
-          <mc:Choice xmlns:p14="http://schemas.microsoft.com/office/powerpoint/2010/main" xmlns:aink="http://schemas.microsoft.com/office/drawing/2016/ink" Requires="p14 aink">
+        <mc:AlternateContent xmlns:mc="http://schemas.openxmlformats.org/markup-compatibility/2006" xmlns:p14="http://schemas.microsoft.com/office/powerpoint/2010/main" xmlns:aink="http://schemas.microsoft.com/office/drawing/2016/ink">
+          <mc:Choice Requires="p14 aink">
             <p:contentPart p14:bwMode="auto" r:id="rId15">
               <p14:nvContentPartPr>
                 <p14:cNvPr id="25" name="Håndskrift 24">
@@ -12406,7 +12373,7 @@
               </p14:xfrm>
             </p:contentPart>
           </mc:Choice>
-          <mc:Fallback>
+          <mc:Fallback xmlns="">
             <p:pic>
               <p:nvPicPr>
                 <p:cNvPr id="25" name="Håndskrift 24">
@@ -12438,8 +12405,8 @@
           </mc:Fallback>
         </mc:AlternateContent>
       </p:grpSp>
-      <mc:AlternateContent xmlns:mc="http://schemas.openxmlformats.org/markup-compatibility/2006">
-        <mc:Choice xmlns:a14="http://schemas.microsoft.com/office/drawing/2010/main" Requires="a14">
+      <mc:AlternateContent xmlns:mc="http://schemas.openxmlformats.org/markup-compatibility/2006" xmlns:a14="http://schemas.microsoft.com/office/drawing/2010/main">
+        <mc:Choice Requires="a14">
           <p:sp>
             <p:nvSpPr>
               <p:cNvPr id="28" name="Tekstfelt 27">
@@ -12468,6 +12435,7 @@
               </a:bodyPr>
               <a:lstStyle/>
               <a:p>
+                <a:pPr/>
                 <a14:m>
                   <m:oMathPara xmlns:m="http://schemas.openxmlformats.org/officeDocument/2006/math">
                     <m:oMathParaPr>
@@ -12488,7 +12456,7 @@
             </p:txBody>
           </p:sp>
         </mc:Choice>
-        <mc:Fallback>
+        <mc:Fallback xmlns="">
           <p:sp>
             <p:nvSpPr>
               <p:cNvPr id="28" name="Tekstfelt 27">
@@ -12533,8 +12501,8 @@
           </p:sp>
         </mc:Fallback>
       </mc:AlternateContent>
-      <mc:AlternateContent xmlns:mc="http://schemas.openxmlformats.org/markup-compatibility/2006">
-        <mc:Choice xmlns:a14="http://schemas.microsoft.com/office/drawing/2010/main" Requires="a14">
+      <mc:AlternateContent xmlns:mc="http://schemas.openxmlformats.org/markup-compatibility/2006" xmlns:a14="http://schemas.microsoft.com/office/drawing/2010/main">
+        <mc:Choice Requires="a14">
           <p:sp>
             <p:nvSpPr>
               <p:cNvPr id="29" name="Tekstfelt 28">
@@ -12563,6 +12531,7 @@
               </a:bodyPr>
               <a:lstStyle/>
               <a:p>
+                <a:pPr/>
                 <a14:m>
                   <m:oMathPara xmlns:m="http://schemas.openxmlformats.org/officeDocument/2006/math">
                     <m:oMathParaPr>
@@ -12589,7 +12558,7 @@
             </p:txBody>
           </p:sp>
         </mc:Choice>
-        <mc:Fallback>
+        <mc:Fallback xmlns="">
           <p:sp>
             <p:nvSpPr>
               <p:cNvPr id="29" name="Tekstfelt 28">
